--- a/docs/images/images_source.pptx
+++ b/docs/images/images_source.pptx
@@ -274,7 +274,7 @@
           <a:p>
             <a:fld id="{20476D50-58D4-4129-A0D5-BA23D510D217}" type="datetimeFigureOut">
               <a:rPr lang="en-SG" smtClean="0"/>
-              <a:t>5/4/2024</a:t>
+              <a:t>10/4/2024</a:t>
             </a:fld>
             <a:endParaRPr lang="en-SG"/>
           </a:p>
@@ -474,7 +474,7 @@
           <a:p>
             <a:fld id="{20476D50-58D4-4129-A0D5-BA23D510D217}" type="datetimeFigureOut">
               <a:rPr lang="en-SG" smtClean="0"/>
-              <a:t>5/4/2024</a:t>
+              <a:t>10/4/2024</a:t>
             </a:fld>
             <a:endParaRPr lang="en-SG"/>
           </a:p>
@@ -684,7 +684,7 @@
           <a:p>
             <a:fld id="{20476D50-58D4-4129-A0D5-BA23D510D217}" type="datetimeFigureOut">
               <a:rPr lang="en-SG" smtClean="0"/>
-              <a:t>5/4/2024</a:t>
+              <a:t>10/4/2024</a:t>
             </a:fld>
             <a:endParaRPr lang="en-SG"/>
           </a:p>
@@ -884,7 +884,7 @@
           <a:p>
             <a:fld id="{20476D50-58D4-4129-A0D5-BA23D510D217}" type="datetimeFigureOut">
               <a:rPr lang="en-SG" smtClean="0"/>
-              <a:t>5/4/2024</a:t>
+              <a:t>10/4/2024</a:t>
             </a:fld>
             <a:endParaRPr lang="en-SG"/>
           </a:p>
@@ -1160,7 +1160,7 @@
           <a:p>
             <a:fld id="{20476D50-58D4-4129-A0D5-BA23D510D217}" type="datetimeFigureOut">
               <a:rPr lang="en-SG" smtClean="0"/>
-              <a:t>5/4/2024</a:t>
+              <a:t>10/4/2024</a:t>
             </a:fld>
             <a:endParaRPr lang="en-SG"/>
           </a:p>
@@ -1428,7 +1428,7 @@
           <a:p>
             <a:fld id="{20476D50-58D4-4129-A0D5-BA23D510D217}" type="datetimeFigureOut">
               <a:rPr lang="en-SG" smtClean="0"/>
-              <a:t>5/4/2024</a:t>
+              <a:t>10/4/2024</a:t>
             </a:fld>
             <a:endParaRPr lang="en-SG"/>
           </a:p>
@@ -1843,7 +1843,7 @@
           <a:p>
             <a:fld id="{20476D50-58D4-4129-A0D5-BA23D510D217}" type="datetimeFigureOut">
               <a:rPr lang="en-SG" smtClean="0"/>
-              <a:t>5/4/2024</a:t>
+              <a:t>10/4/2024</a:t>
             </a:fld>
             <a:endParaRPr lang="en-SG"/>
           </a:p>
@@ -1985,7 +1985,7 @@
           <a:p>
             <a:fld id="{20476D50-58D4-4129-A0D5-BA23D510D217}" type="datetimeFigureOut">
               <a:rPr lang="en-SG" smtClean="0"/>
-              <a:t>5/4/2024</a:t>
+              <a:t>10/4/2024</a:t>
             </a:fld>
             <a:endParaRPr lang="en-SG"/>
           </a:p>
@@ -2098,7 +2098,7 @@
           <a:p>
             <a:fld id="{20476D50-58D4-4129-A0D5-BA23D510D217}" type="datetimeFigureOut">
               <a:rPr lang="en-SG" smtClean="0"/>
-              <a:t>5/4/2024</a:t>
+              <a:t>10/4/2024</a:t>
             </a:fld>
             <a:endParaRPr lang="en-SG"/>
           </a:p>
@@ -2411,7 +2411,7 @@
           <a:p>
             <a:fld id="{20476D50-58D4-4129-A0D5-BA23D510D217}" type="datetimeFigureOut">
               <a:rPr lang="en-SG" smtClean="0"/>
-              <a:t>5/4/2024</a:t>
+              <a:t>10/4/2024</a:t>
             </a:fld>
             <a:endParaRPr lang="en-SG"/>
           </a:p>
@@ -2700,7 +2700,7 @@
           <a:p>
             <a:fld id="{20476D50-58D4-4129-A0D5-BA23D510D217}" type="datetimeFigureOut">
               <a:rPr lang="en-SG" smtClean="0"/>
-              <a:t>5/4/2024</a:t>
+              <a:t>10/4/2024</a:t>
             </a:fld>
             <a:endParaRPr lang="en-SG"/>
           </a:p>
@@ -2943,7 +2943,7 @@
           <a:p>
             <a:fld id="{20476D50-58D4-4129-A0D5-BA23D510D217}" type="datetimeFigureOut">
               <a:rPr lang="en-SG" smtClean="0"/>
-              <a:t>5/4/2024</a:t>
+              <a:t>10/4/2024</a:t>
             </a:fld>
             <a:endParaRPr lang="en-SG"/>
           </a:p>
@@ -5213,10 +5213,10 @@
       </p:grpSpPr>
       <p:grpSp>
         <p:nvGrpSpPr>
-          <p:cNvPr id="2" name="Group 1">
-            <a:extLst>
-              <a:ext uri="{FF2B5EF4-FFF2-40B4-BE49-F238E27FC236}">
-                <a16:creationId xmlns:a16="http://schemas.microsoft.com/office/drawing/2014/main" id="{AF577ED5-44B7-8D59-0708-1AE05C814994}"/>
+          <p:cNvPr id="8" name="Group 7">
+            <a:extLst>
+              <a:ext uri="{FF2B5EF4-FFF2-40B4-BE49-F238E27FC236}">
+                <a16:creationId xmlns:a16="http://schemas.microsoft.com/office/drawing/2014/main" id="{5B037ED8-7259-FCFF-99E9-F821991E5E60}"/>
               </a:ext>
             </a:extLst>
           </p:cNvPr>
@@ -5233,10 +5233,10 @@
         </p:grpSpPr>
         <p:pic>
           <p:nvPicPr>
-            <p:cNvPr id="3" name="Picture 2" descr="A screenshot of a computer&#10;&#10;Description automatically generated">
+            <p:cNvPr id="7" name="Picture 6" descr="A screenshot of a computer&#10;&#10;Description automatically generated">
               <a:extLst>
                 <a:ext uri="{FF2B5EF4-FFF2-40B4-BE49-F238E27FC236}">
-                  <a16:creationId xmlns:a16="http://schemas.microsoft.com/office/drawing/2014/main" id="{706ABAA2-8C9C-8933-DD2E-B2C52BEE2E26}"/>
+                  <a16:creationId xmlns:a16="http://schemas.microsoft.com/office/drawing/2014/main" id="{774C698F-C35C-9C24-BDEC-11D6F0651A05}"/>
                 </a:ext>
               </a:extLst>
             </p:cNvPr>
@@ -5408,10 +5408,10 @@
       </p:grpSpPr>
       <p:grpSp>
         <p:nvGrpSpPr>
-          <p:cNvPr id="5" name="Group 4">
-            <a:extLst>
-              <a:ext uri="{FF2B5EF4-FFF2-40B4-BE49-F238E27FC236}">
-                <a16:creationId xmlns:a16="http://schemas.microsoft.com/office/drawing/2014/main" id="{6E745BB5-CF6B-A394-86A5-EA6FDFE76CDF}"/>
+          <p:cNvPr id="8" name="Group 7">
+            <a:extLst>
+              <a:ext uri="{FF2B5EF4-FFF2-40B4-BE49-F238E27FC236}">
+                <a16:creationId xmlns:a16="http://schemas.microsoft.com/office/drawing/2014/main" id="{7F31A07F-21A0-F8FE-74AB-4D74D67359D9}"/>
               </a:ext>
             </a:extLst>
           </p:cNvPr>
@@ -5428,10 +5428,10 @@
         </p:grpSpPr>
         <p:pic>
           <p:nvPicPr>
-            <p:cNvPr id="2" name="Picture 1" descr="A screenshot of a computer&#10;&#10;Description automatically generated">
+            <p:cNvPr id="7" name="Picture 6" descr="A screenshot of a computer&#10;&#10;Description automatically generated">
               <a:extLst>
                 <a:ext uri="{FF2B5EF4-FFF2-40B4-BE49-F238E27FC236}">
-                  <a16:creationId xmlns:a16="http://schemas.microsoft.com/office/drawing/2014/main" id="{DD03C8A9-F268-6449-09F0-31A8784DB039}"/>
+                  <a16:creationId xmlns:a16="http://schemas.microsoft.com/office/drawing/2014/main" id="{A88C4560-1A21-9606-7E84-E18139EFFE0C}"/>
                 </a:ext>
               </a:extLst>
             </p:cNvPr>
@@ -5603,10 +5603,10 @@
       </p:grpSpPr>
       <p:grpSp>
         <p:nvGrpSpPr>
-          <p:cNvPr id="2" name="Group 1">
-            <a:extLst>
-              <a:ext uri="{FF2B5EF4-FFF2-40B4-BE49-F238E27FC236}">
-                <a16:creationId xmlns:a16="http://schemas.microsoft.com/office/drawing/2014/main" id="{3B3F1377-7DB6-F68C-E5EF-343ADCC58571}"/>
+          <p:cNvPr id="7" name="Group 6">
+            <a:extLst>
+              <a:ext uri="{FF2B5EF4-FFF2-40B4-BE49-F238E27FC236}">
+                <a16:creationId xmlns:a16="http://schemas.microsoft.com/office/drawing/2014/main" id="{705AC7F6-4621-A122-41E0-B4FE45595954}"/>
               </a:ext>
             </a:extLst>
           </p:cNvPr>
@@ -5623,10 +5623,10 @@
         </p:grpSpPr>
         <p:pic>
           <p:nvPicPr>
-            <p:cNvPr id="3" name="Picture 2" descr="A screenshot of a computer&#10;&#10;Description automatically generated">
+            <p:cNvPr id="6" name="Picture 5" descr="A screenshot of a computer&#10;&#10;Description automatically generated">
               <a:extLst>
                 <a:ext uri="{FF2B5EF4-FFF2-40B4-BE49-F238E27FC236}">
-                  <a16:creationId xmlns:a16="http://schemas.microsoft.com/office/drawing/2014/main" id="{63873F86-3989-D2E4-DC47-52596444A2E3}"/>
+                  <a16:creationId xmlns:a16="http://schemas.microsoft.com/office/drawing/2014/main" id="{675595AB-5A94-3812-3A8E-F18352881176}"/>
                 </a:ext>
               </a:extLst>
             </p:cNvPr>

--- a/docs/images/images_source.pptx
+++ b/docs/images/images_source.pptx
@@ -16,9 +16,6 @@
     <p:sldId id="265" r:id="rId10"/>
     <p:sldId id="266" r:id="rId11"/>
     <p:sldId id="267" r:id="rId12"/>
-    <p:sldId id="268" r:id="rId13"/>
-    <p:sldId id="269" r:id="rId14"/>
-    <p:sldId id="270" r:id="rId15"/>
   </p:sldIdLst>
   <p:sldSz cx="12192000" cy="6858000"/>
   <p:notesSz cx="6858000" cy="9144000"/>
@@ -274,7 +271,7 @@
           <a:p>
             <a:fld id="{20476D50-58D4-4129-A0D5-BA23D510D217}" type="datetimeFigureOut">
               <a:rPr lang="en-SG" smtClean="0"/>
-              <a:t>10/4/2024</a:t>
+              <a:t>12/4/2024</a:t>
             </a:fld>
             <a:endParaRPr lang="en-SG"/>
           </a:p>
@@ -474,7 +471,7 @@
           <a:p>
             <a:fld id="{20476D50-58D4-4129-A0D5-BA23D510D217}" type="datetimeFigureOut">
               <a:rPr lang="en-SG" smtClean="0"/>
-              <a:t>10/4/2024</a:t>
+              <a:t>12/4/2024</a:t>
             </a:fld>
             <a:endParaRPr lang="en-SG"/>
           </a:p>
@@ -684,7 +681,7 @@
           <a:p>
             <a:fld id="{20476D50-58D4-4129-A0D5-BA23D510D217}" type="datetimeFigureOut">
               <a:rPr lang="en-SG" smtClean="0"/>
-              <a:t>10/4/2024</a:t>
+              <a:t>12/4/2024</a:t>
             </a:fld>
             <a:endParaRPr lang="en-SG"/>
           </a:p>
@@ -884,7 +881,7 @@
           <a:p>
             <a:fld id="{20476D50-58D4-4129-A0D5-BA23D510D217}" type="datetimeFigureOut">
               <a:rPr lang="en-SG" smtClean="0"/>
-              <a:t>10/4/2024</a:t>
+              <a:t>12/4/2024</a:t>
             </a:fld>
             <a:endParaRPr lang="en-SG"/>
           </a:p>
@@ -1160,7 +1157,7 @@
           <a:p>
             <a:fld id="{20476D50-58D4-4129-A0D5-BA23D510D217}" type="datetimeFigureOut">
               <a:rPr lang="en-SG" smtClean="0"/>
-              <a:t>10/4/2024</a:t>
+              <a:t>12/4/2024</a:t>
             </a:fld>
             <a:endParaRPr lang="en-SG"/>
           </a:p>
@@ -1428,7 +1425,7 @@
           <a:p>
             <a:fld id="{20476D50-58D4-4129-A0D5-BA23D510D217}" type="datetimeFigureOut">
               <a:rPr lang="en-SG" smtClean="0"/>
-              <a:t>10/4/2024</a:t>
+              <a:t>12/4/2024</a:t>
             </a:fld>
             <a:endParaRPr lang="en-SG"/>
           </a:p>
@@ -1843,7 +1840,7 @@
           <a:p>
             <a:fld id="{20476D50-58D4-4129-A0D5-BA23D510D217}" type="datetimeFigureOut">
               <a:rPr lang="en-SG" smtClean="0"/>
-              <a:t>10/4/2024</a:t>
+              <a:t>12/4/2024</a:t>
             </a:fld>
             <a:endParaRPr lang="en-SG"/>
           </a:p>
@@ -1985,7 +1982,7 @@
           <a:p>
             <a:fld id="{20476D50-58D4-4129-A0D5-BA23D510D217}" type="datetimeFigureOut">
               <a:rPr lang="en-SG" smtClean="0"/>
-              <a:t>10/4/2024</a:t>
+              <a:t>12/4/2024</a:t>
             </a:fld>
             <a:endParaRPr lang="en-SG"/>
           </a:p>
@@ -2098,7 +2095,7 @@
           <a:p>
             <a:fld id="{20476D50-58D4-4129-A0D5-BA23D510D217}" type="datetimeFigureOut">
               <a:rPr lang="en-SG" smtClean="0"/>
-              <a:t>10/4/2024</a:t>
+              <a:t>12/4/2024</a:t>
             </a:fld>
             <a:endParaRPr lang="en-SG"/>
           </a:p>
@@ -2411,7 +2408,7 @@
           <a:p>
             <a:fld id="{20476D50-58D4-4129-A0D5-BA23D510D217}" type="datetimeFigureOut">
               <a:rPr lang="en-SG" smtClean="0"/>
-              <a:t>10/4/2024</a:t>
+              <a:t>12/4/2024</a:t>
             </a:fld>
             <a:endParaRPr lang="en-SG"/>
           </a:p>
@@ -2700,7 +2697,7 @@
           <a:p>
             <a:fld id="{20476D50-58D4-4129-A0D5-BA23D510D217}" type="datetimeFigureOut">
               <a:rPr lang="en-SG" smtClean="0"/>
-              <a:t>10/4/2024</a:t>
+              <a:t>12/4/2024</a:t>
             </a:fld>
             <a:endParaRPr lang="en-SG"/>
           </a:p>
@@ -2943,7 +2940,7 @@
           <a:p>
             <a:fld id="{20476D50-58D4-4129-A0D5-BA23D510D217}" type="datetimeFigureOut">
               <a:rPr lang="en-SG" smtClean="0"/>
-              <a:t>10/4/2024</a:t>
+              <a:t>12/4/2024</a:t>
             </a:fld>
             <a:endParaRPr lang="en-SG"/>
           </a:p>
@@ -4007,10 +4004,10 @@
       </p:grpSpPr>
       <p:grpSp>
         <p:nvGrpSpPr>
-          <p:cNvPr id="2" name="Group 1">
-            <a:extLst>
-              <a:ext uri="{FF2B5EF4-FFF2-40B4-BE49-F238E27FC236}">
-                <a16:creationId xmlns:a16="http://schemas.microsoft.com/office/drawing/2014/main" id="{F618EAA3-2756-9335-F5F9-1D840EF2B085}"/>
+          <p:cNvPr id="7" name="Group 6">
+            <a:extLst>
+              <a:ext uri="{FF2B5EF4-FFF2-40B4-BE49-F238E27FC236}">
+                <a16:creationId xmlns:a16="http://schemas.microsoft.com/office/drawing/2014/main" id="{E0FE182B-9C34-2B2D-9D1F-74C1E925DE6F}"/>
               </a:ext>
             </a:extLst>
           </p:cNvPr>
@@ -4027,10 +4024,10 @@
         </p:grpSpPr>
         <p:pic>
           <p:nvPicPr>
-            <p:cNvPr id="3" name="Picture 2" descr="A screenshot of a computer&#10;&#10;Description automatically generated">
+            <p:cNvPr id="6" name="Picture 5" descr="A screenshot of a computer&#10;&#10;Description automatically generated">
               <a:extLst>
                 <a:ext uri="{FF2B5EF4-FFF2-40B4-BE49-F238E27FC236}">
-                  <a16:creationId xmlns:a16="http://schemas.microsoft.com/office/drawing/2014/main" id="{BC69D36A-7A62-446A-81FA-2EFF6745AE95}"/>
+                  <a16:creationId xmlns:a16="http://schemas.microsoft.com/office/drawing/2014/main" id="{7BAC552A-7F10-2242-758A-84B71A20F007}"/>
                 </a:ext>
               </a:extLst>
             </p:cNvPr>
@@ -4148,10 +4145,10 @@
       </p:grpSpPr>
       <p:grpSp>
         <p:nvGrpSpPr>
-          <p:cNvPr id="2" name="Group 1">
-            <a:extLst>
-              <a:ext uri="{FF2B5EF4-FFF2-40B4-BE49-F238E27FC236}">
-                <a16:creationId xmlns:a16="http://schemas.microsoft.com/office/drawing/2014/main" id="{2B5DFFEA-EC43-7D26-D3E6-F28E53A95B15}"/>
+          <p:cNvPr id="10" name="Group 9">
+            <a:extLst>
+              <a:ext uri="{FF2B5EF4-FFF2-40B4-BE49-F238E27FC236}">
+                <a16:creationId xmlns:a16="http://schemas.microsoft.com/office/drawing/2014/main" id="{52B02EC3-D8CD-8473-EBD6-A0A2364B6F51}"/>
               </a:ext>
             </a:extLst>
           </p:cNvPr>
@@ -4168,10 +4165,10 @@
         </p:grpSpPr>
         <p:pic>
           <p:nvPicPr>
-            <p:cNvPr id="5" name="Picture 4" descr="A screenshot of a computer&#10;&#10;Description automatically generated">
+            <p:cNvPr id="4" name="Picture 3" descr="A screenshot of a computer&#10;&#10;Description automatically generated">
               <a:extLst>
                 <a:ext uri="{FF2B5EF4-FFF2-40B4-BE49-F238E27FC236}">
-                  <a16:creationId xmlns:a16="http://schemas.microsoft.com/office/drawing/2014/main" id="{7CCB63E3-6429-436E-52B9-6398C527CE4E}"/>
+                  <a16:creationId xmlns:a16="http://schemas.microsoft.com/office/drawing/2014/main" id="{4C0F4AF8-1049-8BBC-13EC-46C08EFF6716}"/>
                 </a:ext>
               </a:extLst>
             </p:cNvPr>
@@ -4432,204 +4429,6 @@
 </p:sld>
 </file>
 
-<file path=ppt/slides/slide12.xml><?xml version="1.0" encoding="utf-8"?>
-<p:sld xmlns:a="http://schemas.openxmlformats.org/drawingml/2006/main" xmlns:r="http://schemas.openxmlformats.org/officeDocument/2006/relationships" xmlns:p="http://schemas.openxmlformats.org/presentationml/2006/main">
-  <p:cSld>
-    <p:spTree>
-      <p:nvGrpSpPr>
-        <p:cNvPr id="1" name=""/>
-        <p:cNvGrpSpPr/>
-        <p:nvPr/>
-      </p:nvGrpSpPr>
-      <p:grpSpPr>
-        <a:xfrm>
-          <a:off x="0" y="0"/>
-          <a:ext cx="0" cy="0"/>
-          <a:chOff x="0" y="0"/>
-          <a:chExt cx="0" cy="0"/>
-        </a:xfrm>
-      </p:grpSpPr>
-      <p:pic>
-        <p:nvPicPr>
-          <p:cNvPr id="5" name="Picture 4">
-            <a:extLst>
-              <a:ext uri="{FF2B5EF4-FFF2-40B4-BE49-F238E27FC236}">
-                <a16:creationId xmlns:a16="http://schemas.microsoft.com/office/drawing/2014/main" id="{84387463-2D9D-6831-2B16-D69A10431071}"/>
-              </a:ext>
-            </a:extLst>
-          </p:cNvPr>
-          <p:cNvPicPr>
-            <a:picLocks noChangeAspect="1"/>
-          </p:cNvPicPr>
-          <p:nvPr/>
-        </p:nvPicPr>
-        <p:blipFill>
-          <a:blip r:embed="rId2">
-            <a:extLst>
-              <a:ext uri="{28A0092B-C50C-407E-A947-70E740481C1C}">
-                <a14:useLocalDpi xmlns:a14="http://schemas.microsoft.com/office/drawing/2010/main" val="0"/>
-              </a:ext>
-            </a:extLst>
-          </a:blip>
-          <a:stretch>
-            <a:fillRect/>
-          </a:stretch>
-        </p:blipFill>
-        <p:spPr>
-          <a:xfrm>
-            <a:off x="2884025" y="0"/>
-            <a:ext cx="6423949" cy="6858000"/>
-          </a:xfrm>
-          <a:prstGeom prst="rect">
-            <a:avLst/>
-          </a:prstGeom>
-        </p:spPr>
-      </p:pic>
-    </p:spTree>
-    <p:extLst>
-      <p:ext uri="{BB962C8B-B14F-4D97-AF65-F5344CB8AC3E}">
-        <p14:creationId xmlns:p14="http://schemas.microsoft.com/office/powerpoint/2010/main" val="30500668"/>
-      </p:ext>
-    </p:extLst>
-  </p:cSld>
-  <p:clrMapOvr>
-    <a:masterClrMapping/>
-  </p:clrMapOvr>
-</p:sld>
-</file>
-
-<file path=ppt/slides/slide13.xml><?xml version="1.0" encoding="utf-8"?>
-<p:sld xmlns:a="http://schemas.openxmlformats.org/drawingml/2006/main" xmlns:r="http://schemas.openxmlformats.org/officeDocument/2006/relationships" xmlns:p="http://schemas.openxmlformats.org/presentationml/2006/main">
-  <p:cSld>
-    <p:spTree>
-      <p:nvGrpSpPr>
-        <p:cNvPr id="1" name=""/>
-        <p:cNvGrpSpPr/>
-        <p:nvPr/>
-      </p:nvGrpSpPr>
-      <p:grpSpPr>
-        <a:xfrm>
-          <a:off x="0" y="0"/>
-          <a:ext cx="0" cy="0"/>
-          <a:chOff x="0" y="0"/>
-          <a:chExt cx="0" cy="0"/>
-        </a:xfrm>
-      </p:grpSpPr>
-      <p:pic>
-        <p:nvPicPr>
-          <p:cNvPr id="3" name="Picture 2" descr="A screenshot of a computer&#10;&#10;Description automatically generated">
-            <a:extLst>
-              <a:ext uri="{FF2B5EF4-FFF2-40B4-BE49-F238E27FC236}">
-                <a16:creationId xmlns:a16="http://schemas.microsoft.com/office/drawing/2014/main" id="{F4ED1EFA-0A18-B011-C7A7-0365B726DFAF}"/>
-              </a:ext>
-            </a:extLst>
-          </p:cNvPr>
-          <p:cNvPicPr>
-            <a:picLocks noChangeAspect="1"/>
-          </p:cNvPicPr>
-          <p:nvPr/>
-        </p:nvPicPr>
-        <p:blipFill>
-          <a:blip r:embed="rId2">
-            <a:extLst>
-              <a:ext uri="{28A0092B-C50C-407E-A947-70E740481C1C}">
-                <a14:useLocalDpi xmlns:a14="http://schemas.microsoft.com/office/drawing/2010/main" val="0"/>
-              </a:ext>
-            </a:extLst>
-          </a:blip>
-          <a:stretch>
-            <a:fillRect/>
-          </a:stretch>
-        </p:blipFill>
-        <p:spPr>
-          <a:xfrm>
-            <a:off x="2884025" y="0"/>
-            <a:ext cx="6423949" cy="6858000"/>
-          </a:xfrm>
-          <a:prstGeom prst="rect">
-            <a:avLst/>
-          </a:prstGeom>
-        </p:spPr>
-      </p:pic>
-    </p:spTree>
-    <p:extLst>
-      <p:ext uri="{BB962C8B-B14F-4D97-AF65-F5344CB8AC3E}">
-        <p14:creationId xmlns:p14="http://schemas.microsoft.com/office/powerpoint/2010/main" val="3218969970"/>
-      </p:ext>
-    </p:extLst>
-  </p:cSld>
-  <p:clrMapOvr>
-    <a:masterClrMapping/>
-  </p:clrMapOvr>
-</p:sld>
-</file>
-
-<file path=ppt/slides/slide14.xml><?xml version="1.0" encoding="utf-8"?>
-<p:sld xmlns:a="http://schemas.openxmlformats.org/drawingml/2006/main" xmlns:r="http://schemas.openxmlformats.org/officeDocument/2006/relationships" xmlns:p="http://schemas.openxmlformats.org/presentationml/2006/main">
-  <p:cSld>
-    <p:spTree>
-      <p:nvGrpSpPr>
-        <p:cNvPr id="1" name=""/>
-        <p:cNvGrpSpPr/>
-        <p:nvPr/>
-      </p:nvGrpSpPr>
-      <p:grpSpPr>
-        <a:xfrm>
-          <a:off x="0" y="0"/>
-          <a:ext cx="0" cy="0"/>
-          <a:chOff x="0" y="0"/>
-          <a:chExt cx="0" cy="0"/>
-        </a:xfrm>
-      </p:grpSpPr>
-      <p:pic>
-        <p:nvPicPr>
-          <p:cNvPr id="3" name="Picture 2" descr="A screenshot of a computer&#10;&#10;Description automatically generated">
-            <a:extLst>
-              <a:ext uri="{FF2B5EF4-FFF2-40B4-BE49-F238E27FC236}">
-                <a16:creationId xmlns:a16="http://schemas.microsoft.com/office/drawing/2014/main" id="{6500A46E-A7AD-30A7-EE1B-EF81ED3BBE50}"/>
-              </a:ext>
-            </a:extLst>
-          </p:cNvPr>
-          <p:cNvPicPr>
-            <a:picLocks noChangeAspect="1"/>
-          </p:cNvPicPr>
-          <p:nvPr/>
-        </p:nvPicPr>
-        <p:blipFill>
-          <a:blip r:embed="rId2">
-            <a:extLst>
-              <a:ext uri="{28A0092B-C50C-407E-A947-70E740481C1C}">
-                <a14:useLocalDpi xmlns:a14="http://schemas.microsoft.com/office/drawing/2010/main" val="0"/>
-              </a:ext>
-            </a:extLst>
-          </a:blip>
-          <a:stretch>
-            <a:fillRect/>
-          </a:stretch>
-        </p:blipFill>
-        <p:spPr>
-          <a:xfrm>
-            <a:off x="2884025" y="0"/>
-            <a:ext cx="6423949" cy="6858000"/>
-          </a:xfrm>
-          <a:prstGeom prst="rect">
-            <a:avLst/>
-          </a:prstGeom>
-        </p:spPr>
-      </p:pic>
-    </p:spTree>
-    <p:extLst>
-      <p:ext uri="{BB962C8B-B14F-4D97-AF65-F5344CB8AC3E}">
-        <p14:creationId xmlns:p14="http://schemas.microsoft.com/office/powerpoint/2010/main" val="2726714794"/>
-      </p:ext>
-    </p:extLst>
-  </p:cSld>
-  <p:clrMapOvr>
-    <a:masterClrMapping/>
-  </p:clrMapOvr>
-</p:sld>
-</file>
-
 <file path=ppt/slides/slide2.xml><?xml version="1.0" encoding="utf-8"?>
 <p:sld xmlns:a="http://schemas.openxmlformats.org/drawingml/2006/main" xmlns:r="http://schemas.openxmlformats.org/officeDocument/2006/relationships" xmlns:p="http://schemas.openxmlformats.org/presentationml/2006/main">
   <p:cSld>
@@ -4931,10 +4730,10 @@
       </p:grpSpPr>
       <p:grpSp>
         <p:nvGrpSpPr>
-          <p:cNvPr id="2" name="Group 1">
-            <a:extLst>
-              <a:ext uri="{FF2B5EF4-FFF2-40B4-BE49-F238E27FC236}">
-                <a16:creationId xmlns:a16="http://schemas.microsoft.com/office/drawing/2014/main" id="{DBE08E35-D277-E5EA-DE5B-A9260FA2E855}"/>
+          <p:cNvPr id="7" name="Group 6">
+            <a:extLst>
+              <a:ext uri="{FF2B5EF4-FFF2-40B4-BE49-F238E27FC236}">
+                <a16:creationId xmlns:a16="http://schemas.microsoft.com/office/drawing/2014/main" id="{ECAD5E38-818A-4BC1-7404-DDB6D684709C}"/>
               </a:ext>
             </a:extLst>
           </p:cNvPr>
@@ -4951,10 +4750,10 @@
         </p:grpSpPr>
         <p:pic>
           <p:nvPicPr>
-            <p:cNvPr id="3" name="Picture 2" descr="A screenshot of a computer&#10;&#10;Description automatically generated">
+            <p:cNvPr id="6" name="Picture 5" descr="A screenshot of a computer&#10;&#10;Description automatically generated">
               <a:extLst>
                 <a:ext uri="{FF2B5EF4-FFF2-40B4-BE49-F238E27FC236}">
-                  <a16:creationId xmlns:a16="http://schemas.microsoft.com/office/drawing/2014/main" id="{B09367E6-5BF3-E696-A372-D814824610DA}"/>
+                  <a16:creationId xmlns:a16="http://schemas.microsoft.com/office/drawing/2014/main" id="{EF067C15-7C5A-DF5C-6F7D-CFD8566C9601}"/>
                 </a:ext>
               </a:extLst>
             </p:cNvPr>
@@ -5072,10 +4871,10 @@
       </p:grpSpPr>
       <p:grpSp>
         <p:nvGrpSpPr>
-          <p:cNvPr id="2" name="Group 1">
-            <a:extLst>
-              <a:ext uri="{FF2B5EF4-FFF2-40B4-BE49-F238E27FC236}">
-                <a16:creationId xmlns:a16="http://schemas.microsoft.com/office/drawing/2014/main" id="{5D96D22A-A6B2-59F7-548B-6128B710A2D4}"/>
+          <p:cNvPr id="8" name="Group 7">
+            <a:extLst>
+              <a:ext uri="{FF2B5EF4-FFF2-40B4-BE49-F238E27FC236}">
+                <a16:creationId xmlns:a16="http://schemas.microsoft.com/office/drawing/2014/main" id="{AA276F28-6F1A-EA0B-1340-303ECD99C5A5}"/>
               </a:ext>
             </a:extLst>
           </p:cNvPr>
@@ -5092,10 +4891,10 @@
         </p:grpSpPr>
         <p:pic>
           <p:nvPicPr>
-            <p:cNvPr id="3" name="Picture 2" descr="A screenshot of a computer&#10;&#10;Description automatically generated">
+            <p:cNvPr id="7" name="Picture 6" descr="A screenshot of a computer&#10;&#10;Description automatically generated">
               <a:extLst>
                 <a:ext uri="{FF2B5EF4-FFF2-40B4-BE49-F238E27FC236}">
-                  <a16:creationId xmlns:a16="http://schemas.microsoft.com/office/drawing/2014/main" id="{C3996DA8-4CA5-0B9C-8EF3-67D54AD99861}"/>
+                  <a16:creationId xmlns:a16="http://schemas.microsoft.com/office/drawing/2014/main" id="{3C177CD9-3B41-E00D-C699-0009960F7C41}"/>
                 </a:ext>
               </a:extLst>
             </p:cNvPr>
@@ -5213,10 +5012,10 @@
       </p:grpSpPr>
       <p:grpSp>
         <p:nvGrpSpPr>
-          <p:cNvPr id="8" name="Group 7">
-            <a:extLst>
-              <a:ext uri="{FF2B5EF4-FFF2-40B4-BE49-F238E27FC236}">
-                <a16:creationId xmlns:a16="http://schemas.microsoft.com/office/drawing/2014/main" id="{5B037ED8-7259-FCFF-99E9-F821991E5E60}"/>
+          <p:cNvPr id="6" name="Group 5">
+            <a:extLst>
+              <a:ext uri="{FF2B5EF4-FFF2-40B4-BE49-F238E27FC236}">
+                <a16:creationId xmlns:a16="http://schemas.microsoft.com/office/drawing/2014/main" id="{32334935-763C-9E1E-CE0D-F1D6145239D7}"/>
               </a:ext>
             </a:extLst>
           </p:cNvPr>
@@ -5233,10 +5032,10 @@
         </p:grpSpPr>
         <p:pic>
           <p:nvPicPr>
-            <p:cNvPr id="7" name="Picture 6" descr="A screenshot of a computer&#10;&#10;Description automatically generated">
+            <p:cNvPr id="3" name="Picture 2" descr="A screenshot of a computer&#10;&#10;Description automatically generated">
               <a:extLst>
                 <a:ext uri="{FF2B5EF4-FFF2-40B4-BE49-F238E27FC236}">
-                  <a16:creationId xmlns:a16="http://schemas.microsoft.com/office/drawing/2014/main" id="{774C698F-C35C-9C24-BDEC-11D6F0651A05}"/>
+                  <a16:creationId xmlns:a16="http://schemas.microsoft.com/office/drawing/2014/main" id="{EBA8FB54-D36C-8608-C8E9-F1A47C50A014}"/>
                 </a:ext>
               </a:extLst>
             </p:cNvPr>
@@ -5281,8 +5080,8 @@
           </p:nvSpPr>
           <p:spPr>
             <a:xfrm>
-              <a:off x="2938616" y="4813301"/>
-              <a:ext cx="1423834" cy="406399"/>
+              <a:off x="2938615" y="4813301"/>
+              <a:ext cx="1465109" cy="406399"/>
             </a:xfrm>
             <a:prstGeom prst="roundRect">
               <a:avLst>
@@ -5408,10 +5207,10 @@
       </p:grpSpPr>
       <p:grpSp>
         <p:nvGrpSpPr>
-          <p:cNvPr id="8" name="Group 7">
-            <a:extLst>
-              <a:ext uri="{FF2B5EF4-FFF2-40B4-BE49-F238E27FC236}">
-                <a16:creationId xmlns:a16="http://schemas.microsoft.com/office/drawing/2014/main" id="{7F31A07F-21A0-F8FE-74AB-4D74D67359D9}"/>
+          <p:cNvPr id="5" name="Group 4">
+            <a:extLst>
+              <a:ext uri="{FF2B5EF4-FFF2-40B4-BE49-F238E27FC236}">
+                <a16:creationId xmlns:a16="http://schemas.microsoft.com/office/drawing/2014/main" id="{B70CD9D5-CFA4-3486-4726-26F21D205FE5}"/>
               </a:ext>
             </a:extLst>
           </p:cNvPr>
@@ -5428,10 +5227,10 @@
         </p:grpSpPr>
         <p:pic>
           <p:nvPicPr>
-            <p:cNvPr id="7" name="Picture 6" descr="A screenshot of a computer&#10;&#10;Description automatically generated">
+            <p:cNvPr id="2" name="Picture 1" descr="A screenshot of a computer&#10;&#10;Description automatically generated">
               <a:extLst>
                 <a:ext uri="{FF2B5EF4-FFF2-40B4-BE49-F238E27FC236}">
-                  <a16:creationId xmlns:a16="http://schemas.microsoft.com/office/drawing/2014/main" id="{A88C4560-1A21-9606-7E84-E18139EFFE0C}"/>
+                  <a16:creationId xmlns:a16="http://schemas.microsoft.com/office/drawing/2014/main" id="{20E5F836-81F8-AEE4-089E-D03BFE6D823A}"/>
                 </a:ext>
               </a:extLst>
             </p:cNvPr>
@@ -5603,10 +5402,10 @@
       </p:grpSpPr>
       <p:grpSp>
         <p:nvGrpSpPr>
-          <p:cNvPr id="7" name="Group 6">
-            <a:extLst>
-              <a:ext uri="{FF2B5EF4-FFF2-40B4-BE49-F238E27FC236}">
-                <a16:creationId xmlns:a16="http://schemas.microsoft.com/office/drawing/2014/main" id="{705AC7F6-4621-A122-41E0-B4FE45595954}"/>
+          <p:cNvPr id="4" name="Group 3">
+            <a:extLst>
+              <a:ext uri="{FF2B5EF4-FFF2-40B4-BE49-F238E27FC236}">
+                <a16:creationId xmlns:a16="http://schemas.microsoft.com/office/drawing/2014/main" id="{034D8B76-2253-B131-E5B4-C0BC933BC352}"/>
               </a:ext>
             </a:extLst>
           </p:cNvPr>
@@ -5623,10 +5422,10 @@
         </p:grpSpPr>
         <p:pic>
           <p:nvPicPr>
-            <p:cNvPr id="6" name="Picture 5" descr="A screenshot of a computer&#10;&#10;Description automatically generated">
+            <p:cNvPr id="3" name="Picture 2" descr="A screenshot of a computer&#10;&#10;Description automatically generated">
               <a:extLst>
                 <a:ext uri="{FF2B5EF4-FFF2-40B4-BE49-F238E27FC236}">
-                  <a16:creationId xmlns:a16="http://schemas.microsoft.com/office/drawing/2014/main" id="{675595AB-5A94-3812-3A8E-F18352881176}"/>
+                  <a16:creationId xmlns:a16="http://schemas.microsoft.com/office/drawing/2014/main" id="{8525EBD1-C56D-96C5-4CB8-545E84A0854D}"/>
                 </a:ext>
               </a:extLst>
             </p:cNvPr>
@@ -5744,10 +5543,10 @@
       </p:grpSpPr>
       <p:grpSp>
         <p:nvGrpSpPr>
-          <p:cNvPr id="8" name="Group 7">
-            <a:extLst>
-              <a:ext uri="{FF2B5EF4-FFF2-40B4-BE49-F238E27FC236}">
-                <a16:creationId xmlns:a16="http://schemas.microsoft.com/office/drawing/2014/main" id="{593B003C-D915-8CC8-491C-9613EF4015D4}"/>
+          <p:cNvPr id="5" name="Group 4">
+            <a:extLst>
+              <a:ext uri="{FF2B5EF4-FFF2-40B4-BE49-F238E27FC236}">
+                <a16:creationId xmlns:a16="http://schemas.microsoft.com/office/drawing/2014/main" id="{225008D6-8652-AF41-FB41-AB4EB97F6F7A}"/>
               </a:ext>
             </a:extLst>
           </p:cNvPr>
@@ -5764,10 +5563,10 @@
         </p:grpSpPr>
         <p:pic>
           <p:nvPicPr>
-            <p:cNvPr id="6" name="Picture 5" descr="A screenshot of a computer&#10;&#10;Description automatically generated">
+            <p:cNvPr id="3" name="Picture 2" descr="A screenshot of a computer&#10;&#10;Description automatically generated">
               <a:extLst>
                 <a:ext uri="{FF2B5EF4-FFF2-40B4-BE49-F238E27FC236}">
-                  <a16:creationId xmlns:a16="http://schemas.microsoft.com/office/drawing/2014/main" id="{F612DECB-CA34-7D0D-6769-4C8AA8BBBE6B}"/>
+                  <a16:creationId xmlns:a16="http://schemas.microsoft.com/office/drawing/2014/main" id="{FFACEAE0-BA68-698B-E50F-3B036FAD33A4}"/>
                 </a:ext>
               </a:extLst>
             </p:cNvPr>
